--- a/Presentations/2.Annotation.pptx
+++ b/Presentations/2.Annotation.pptx
@@ -266,7 +266,7 @@
           <a:p>
             <a:fld id="{25A82A09-6979-4E64-8303-8162828D3F74}" type="datetimeFigureOut">
               <a:rPr lang="tr-TR" smtClean="0"/>
-              <a:t>8.09.2023</a:t>
+              <a:t>11.09.2023</a:t>
             </a:fld>
             <a:endParaRPr lang="tr-TR"/>
           </a:p>
@@ -464,7 +464,7 @@
           <a:p>
             <a:fld id="{25A82A09-6979-4E64-8303-8162828D3F74}" type="datetimeFigureOut">
               <a:rPr lang="tr-TR" smtClean="0"/>
-              <a:t>8.09.2023</a:t>
+              <a:t>11.09.2023</a:t>
             </a:fld>
             <a:endParaRPr lang="tr-TR"/>
           </a:p>
@@ -672,7 +672,7 @@
           <a:p>
             <a:fld id="{25A82A09-6979-4E64-8303-8162828D3F74}" type="datetimeFigureOut">
               <a:rPr lang="tr-TR" smtClean="0"/>
-              <a:t>8.09.2023</a:t>
+              <a:t>11.09.2023</a:t>
             </a:fld>
             <a:endParaRPr lang="tr-TR"/>
           </a:p>
@@ -870,7 +870,7 @@
           <a:p>
             <a:fld id="{25A82A09-6979-4E64-8303-8162828D3F74}" type="datetimeFigureOut">
               <a:rPr lang="tr-TR" smtClean="0"/>
-              <a:t>8.09.2023</a:t>
+              <a:t>11.09.2023</a:t>
             </a:fld>
             <a:endParaRPr lang="tr-TR"/>
           </a:p>
@@ -1145,7 +1145,7 @@
           <a:p>
             <a:fld id="{25A82A09-6979-4E64-8303-8162828D3F74}" type="datetimeFigureOut">
               <a:rPr lang="tr-TR" smtClean="0"/>
-              <a:t>8.09.2023</a:t>
+              <a:t>11.09.2023</a:t>
             </a:fld>
             <a:endParaRPr lang="tr-TR"/>
           </a:p>
@@ -1410,7 +1410,7 @@
           <a:p>
             <a:fld id="{25A82A09-6979-4E64-8303-8162828D3F74}" type="datetimeFigureOut">
               <a:rPr lang="tr-TR" smtClean="0"/>
-              <a:t>8.09.2023</a:t>
+              <a:t>11.09.2023</a:t>
             </a:fld>
             <a:endParaRPr lang="tr-TR"/>
           </a:p>
@@ -1822,7 +1822,7 @@
           <a:p>
             <a:fld id="{25A82A09-6979-4E64-8303-8162828D3F74}" type="datetimeFigureOut">
               <a:rPr lang="tr-TR" smtClean="0"/>
-              <a:t>8.09.2023</a:t>
+              <a:t>11.09.2023</a:t>
             </a:fld>
             <a:endParaRPr lang="tr-TR"/>
           </a:p>
@@ -1963,7 +1963,7 @@
           <a:p>
             <a:fld id="{25A82A09-6979-4E64-8303-8162828D3F74}" type="datetimeFigureOut">
               <a:rPr lang="tr-TR" smtClean="0"/>
-              <a:t>8.09.2023</a:t>
+              <a:t>11.09.2023</a:t>
             </a:fld>
             <a:endParaRPr lang="tr-TR"/>
           </a:p>
@@ -2076,7 +2076,7 @@
           <a:p>
             <a:fld id="{25A82A09-6979-4E64-8303-8162828D3F74}" type="datetimeFigureOut">
               <a:rPr lang="tr-TR" smtClean="0"/>
-              <a:t>8.09.2023</a:t>
+              <a:t>11.09.2023</a:t>
             </a:fld>
             <a:endParaRPr lang="tr-TR"/>
           </a:p>
@@ -2387,7 +2387,7 @@
           <a:p>
             <a:fld id="{25A82A09-6979-4E64-8303-8162828D3F74}" type="datetimeFigureOut">
               <a:rPr lang="tr-TR" smtClean="0"/>
-              <a:t>8.09.2023</a:t>
+              <a:t>11.09.2023</a:t>
             </a:fld>
             <a:endParaRPr lang="tr-TR"/>
           </a:p>
@@ -2675,7 +2675,7 @@
           <a:p>
             <a:fld id="{25A82A09-6979-4E64-8303-8162828D3F74}" type="datetimeFigureOut">
               <a:rPr lang="tr-TR" smtClean="0"/>
-              <a:t>8.09.2023</a:t>
+              <a:t>11.09.2023</a:t>
             </a:fld>
             <a:endParaRPr lang="tr-TR"/>
           </a:p>
@@ -2916,7 +2916,7 @@
           <a:p>
             <a:fld id="{25A82A09-6979-4E64-8303-8162828D3F74}" type="datetimeFigureOut">
               <a:rPr lang="tr-TR" smtClean="0"/>
-              <a:t>8.09.2023</a:t>
+              <a:t>11.09.2023</a:t>
             </a:fld>
             <a:endParaRPr lang="tr-TR"/>
           </a:p>
@@ -3402,6 +3402,88 @@
           </a:p>
         </p:txBody>
       </p:sp>
+      <p:pic>
+        <p:nvPicPr>
+          <p:cNvPr id="4" name="Resim 3">
+            <a:extLst>
+              <a:ext uri="{FF2B5EF4-FFF2-40B4-BE49-F238E27FC236}">
+                <a16:creationId xmlns:a16="http://schemas.microsoft.com/office/drawing/2014/main" id="{D8DECD02-0F04-343C-D3AD-17D79761796D}"/>
+              </a:ext>
+            </a:extLst>
+          </p:cNvPr>
+          <p:cNvPicPr>
+            <a:picLocks noChangeAspect="1"/>
+          </p:cNvPicPr>
+          <p:nvPr/>
+        </p:nvPicPr>
+        <p:blipFill rotWithShape="1">
+          <a:blip r:embed="rId2">
+            <a:extLst>
+              <a:ext uri="{28A0092B-C50C-407E-A947-70E740481C1C}">
+                <a14:useLocalDpi xmlns:a14="http://schemas.microsoft.com/office/drawing/2010/main" val="0"/>
+              </a:ext>
+            </a:extLst>
+          </a:blip>
+          <a:srcRect t="29788" b="25389"/>
+          <a:stretch/>
+        </p:blipFill>
+        <p:spPr>
+          <a:xfrm>
+            <a:off x="7802640" y="5466943"/>
+            <a:ext cx="4389360" cy="1391057"/>
+          </a:xfrm>
+          <a:prstGeom prst="rect">
+            <a:avLst/>
+          </a:prstGeom>
+        </p:spPr>
+      </p:pic>
+      <p:pic>
+        <p:nvPicPr>
+          <p:cNvPr id="5" name="Picture 2" descr="EJP RD – European Joint Programme on Rare Diseases">
+            <a:extLst>
+              <a:ext uri="{FF2B5EF4-FFF2-40B4-BE49-F238E27FC236}">
+                <a16:creationId xmlns:a16="http://schemas.microsoft.com/office/drawing/2014/main" id="{A83A9792-6FF8-E92C-57BB-E4A5DCE8822B}"/>
+              </a:ext>
+            </a:extLst>
+          </p:cNvPr>
+          <p:cNvPicPr>
+            <a:picLocks noChangeAspect="1" noChangeArrowheads="1"/>
+          </p:cNvPicPr>
+          <p:nvPr/>
+        </p:nvPicPr>
+        <p:blipFill>
+          <a:blip r:embed="rId3">
+            <a:extLst>
+              <a:ext uri="{28A0092B-C50C-407E-A947-70E740481C1C}">
+                <a14:useLocalDpi xmlns:a14="http://schemas.microsoft.com/office/drawing/2010/main" val="0"/>
+              </a:ext>
+            </a:extLst>
+          </a:blip>
+          <a:srcRect/>
+          <a:stretch>
+            <a:fillRect/>
+          </a:stretch>
+        </p:blipFill>
+        <p:spPr bwMode="auto">
+          <a:xfrm>
+            <a:off x="0" y="5635217"/>
+            <a:ext cx="4780764" cy="1054507"/>
+          </a:xfrm>
+          <a:prstGeom prst="rect">
+            <a:avLst/>
+          </a:prstGeom>
+          <a:noFill/>
+          <a:extLst>
+            <a:ext uri="{909E8E84-426E-40DD-AFC4-6F175D3DCCD1}">
+              <a14:hiddenFill xmlns:a14="http://schemas.microsoft.com/office/drawing/2010/main">
+                <a:solidFill>
+                  <a:srgbClr val="FFFFFF"/>
+                </a:solidFill>
+              </a14:hiddenFill>
+            </a:ext>
+          </a:extLst>
+        </p:spPr>
+      </p:pic>
     </p:spTree>
     <p:extLst>
       <p:ext uri="{BB962C8B-B14F-4D97-AF65-F5344CB8AC3E}">
@@ -3882,6 +3964,88 @@
               </a14:hiddenFill>
             </a:ext>
           </a:extLst>
+        </p:spPr>
+      </p:pic>
+      <p:pic>
+        <p:nvPicPr>
+          <p:cNvPr id="4" name="Picture 2" descr="EJP RD – European Joint Programme on Rare Diseases">
+            <a:extLst>
+              <a:ext uri="{FF2B5EF4-FFF2-40B4-BE49-F238E27FC236}">
+                <a16:creationId xmlns:a16="http://schemas.microsoft.com/office/drawing/2014/main" id="{A66941CE-7644-F02E-024E-C8E0A46A019C}"/>
+              </a:ext>
+            </a:extLst>
+          </p:cNvPr>
+          <p:cNvPicPr>
+            <a:picLocks noChangeAspect="1" noChangeArrowheads="1"/>
+          </p:cNvPicPr>
+          <p:nvPr/>
+        </p:nvPicPr>
+        <p:blipFill>
+          <a:blip r:embed="rId5">
+            <a:extLst>
+              <a:ext uri="{28A0092B-C50C-407E-A947-70E740481C1C}">
+                <a14:useLocalDpi xmlns:a14="http://schemas.microsoft.com/office/drawing/2010/main" val="0"/>
+              </a:ext>
+            </a:extLst>
+          </a:blip>
+          <a:srcRect/>
+          <a:stretch>
+            <a:fillRect/>
+          </a:stretch>
+        </p:blipFill>
+        <p:spPr bwMode="auto">
+          <a:xfrm>
+            <a:off x="76200" y="-5104"/>
+            <a:ext cx="2752725" cy="607177"/>
+          </a:xfrm>
+          <a:prstGeom prst="rect">
+            <a:avLst/>
+          </a:prstGeom>
+          <a:noFill/>
+          <a:extLst>
+            <a:ext uri="{909E8E84-426E-40DD-AFC4-6F175D3DCCD1}">
+              <a14:hiddenFill xmlns:a14="http://schemas.microsoft.com/office/drawing/2010/main">
+                <a:solidFill>
+                  <a:srgbClr val="FFFFFF"/>
+                </a:solidFill>
+              </a14:hiddenFill>
+            </a:ext>
+          </a:extLst>
+        </p:spPr>
+      </p:pic>
+      <p:pic>
+        <p:nvPicPr>
+          <p:cNvPr id="6" name="Resim 5">
+            <a:extLst>
+              <a:ext uri="{FF2B5EF4-FFF2-40B4-BE49-F238E27FC236}">
+                <a16:creationId xmlns:a16="http://schemas.microsoft.com/office/drawing/2014/main" id="{EC405846-6096-3AD1-6F55-96A1EC5C482E}"/>
+              </a:ext>
+            </a:extLst>
+          </p:cNvPr>
+          <p:cNvPicPr>
+            <a:picLocks noChangeAspect="1"/>
+          </p:cNvPicPr>
+          <p:nvPr/>
+        </p:nvPicPr>
+        <p:blipFill rotWithShape="1">
+          <a:blip r:embed="rId6">
+            <a:extLst>
+              <a:ext uri="{28A0092B-C50C-407E-A947-70E740481C1C}">
+                <a14:useLocalDpi xmlns:a14="http://schemas.microsoft.com/office/drawing/2010/main" val="0"/>
+              </a:ext>
+            </a:extLst>
+          </a:blip>
+          <a:srcRect t="29788" b="25389"/>
+          <a:stretch/>
+        </p:blipFill>
+        <p:spPr>
+          <a:xfrm>
+            <a:off x="9584247" y="-41958"/>
+            <a:ext cx="2607753" cy="826438"/>
+          </a:xfrm>
+          <a:prstGeom prst="rect">
+            <a:avLst/>
+          </a:prstGeom>
         </p:spPr>
       </p:pic>
     </p:spTree>
@@ -4506,6 +4670,88 @@
           </a:p>
         </p:txBody>
       </p:sp>
+      <p:pic>
+        <p:nvPicPr>
+          <p:cNvPr id="3" name="Picture 2" descr="EJP RD – European Joint Programme on Rare Diseases">
+            <a:extLst>
+              <a:ext uri="{FF2B5EF4-FFF2-40B4-BE49-F238E27FC236}">
+                <a16:creationId xmlns:a16="http://schemas.microsoft.com/office/drawing/2014/main" id="{7615F430-E918-C3F2-AA5E-3FF41B187368}"/>
+              </a:ext>
+            </a:extLst>
+          </p:cNvPr>
+          <p:cNvPicPr>
+            <a:picLocks noChangeAspect="1" noChangeArrowheads="1"/>
+          </p:cNvPicPr>
+          <p:nvPr/>
+        </p:nvPicPr>
+        <p:blipFill>
+          <a:blip r:embed="rId3">
+            <a:extLst>
+              <a:ext uri="{28A0092B-C50C-407E-A947-70E740481C1C}">
+                <a14:useLocalDpi xmlns:a14="http://schemas.microsoft.com/office/drawing/2010/main" val="0"/>
+              </a:ext>
+            </a:extLst>
+          </a:blip>
+          <a:srcRect/>
+          <a:stretch>
+            <a:fillRect/>
+          </a:stretch>
+        </p:blipFill>
+        <p:spPr bwMode="auto">
+          <a:xfrm>
+            <a:off x="76200" y="-5104"/>
+            <a:ext cx="2752725" cy="607177"/>
+          </a:xfrm>
+          <a:prstGeom prst="rect">
+            <a:avLst/>
+          </a:prstGeom>
+          <a:noFill/>
+          <a:extLst>
+            <a:ext uri="{909E8E84-426E-40DD-AFC4-6F175D3DCCD1}">
+              <a14:hiddenFill xmlns:a14="http://schemas.microsoft.com/office/drawing/2010/main">
+                <a:solidFill>
+                  <a:srgbClr val="FFFFFF"/>
+                </a:solidFill>
+              </a14:hiddenFill>
+            </a:ext>
+          </a:extLst>
+        </p:spPr>
+      </p:pic>
+      <p:pic>
+        <p:nvPicPr>
+          <p:cNvPr id="4" name="Resim 3">
+            <a:extLst>
+              <a:ext uri="{FF2B5EF4-FFF2-40B4-BE49-F238E27FC236}">
+                <a16:creationId xmlns:a16="http://schemas.microsoft.com/office/drawing/2014/main" id="{335950C6-CD63-C334-FDAB-159ADFB5D5D4}"/>
+              </a:ext>
+            </a:extLst>
+          </p:cNvPr>
+          <p:cNvPicPr>
+            <a:picLocks noChangeAspect="1"/>
+          </p:cNvPicPr>
+          <p:nvPr/>
+        </p:nvPicPr>
+        <p:blipFill rotWithShape="1">
+          <a:blip r:embed="rId4">
+            <a:extLst>
+              <a:ext uri="{28A0092B-C50C-407E-A947-70E740481C1C}">
+                <a14:useLocalDpi xmlns:a14="http://schemas.microsoft.com/office/drawing/2010/main" val="0"/>
+              </a:ext>
+            </a:extLst>
+          </a:blip>
+          <a:srcRect t="29788" b="25389"/>
+          <a:stretch/>
+        </p:blipFill>
+        <p:spPr>
+          <a:xfrm>
+            <a:off x="9584247" y="-41958"/>
+            <a:ext cx="2607753" cy="826438"/>
+          </a:xfrm>
+          <a:prstGeom prst="rect">
+            <a:avLst/>
+          </a:prstGeom>
+        </p:spPr>
+      </p:pic>
     </p:spTree>
     <p:extLst>
       <p:ext uri="{BB962C8B-B14F-4D97-AF65-F5344CB8AC3E}">
@@ -4935,6 +5181,88 @@
           </a:p>
         </p:txBody>
       </p:sp>
+      <p:pic>
+        <p:nvPicPr>
+          <p:cNvPr id="4" name="Picture 2" descr="EJP RD – European Joint Programme on Rare Diseases">
+            <a:extLst>
+              <a:ext uri="{FF2B5EF4-FFF2-40B4-BE49-F238E27FC236}">
+                <a16:creationId xmlns:a16="http://schemas.microsoft.com/office/drawing/2014/main" id="{1928D03B-E1E8-C95C-7B00-C96F8B678E89}"/>
+              </a:ext>
+            </a:extLst>
+          </p:cNvPr>
+          <p:cNvPicPr>
+            <a:picLocks noChangeAspect="1" noChangeArrowheads="1"/>
+          </p:cNvPicPr>
+          <p:nvPr/>
+        </p:nvPicPr>
+        <p:blipFill>
+          <a:blip r:embed="rId3">
+            <a:extLst>
+              <a:ext uri="{28A0092B-C50C-407E-A947-70E740481C1C}">
+                <a14:useLocalDpi xmlns:a14="http://schemas.microsoft.com/office/drawing/2010/main" val="0"/>
+              </a:ext>
+            </a:extLst>
+          </a:blip>
+          <a:srcRect/>
+          <a:stretch>
+            <a:fillRect/>
+          </a:stretch>
+        </p:blipFill>
+        <p:spPr bwMode="auto">
+          <a:xfrm>
+            <a:off x="76200" y="-5104"/>
+            <a:ext cx="2752725" cy="607177"/>
+          </a:xfrm>
+          <a:prstGeom prst="rect">
+            <a:avLst/>
+          </a:prstGeom>
+          <a:noFill/>
+          <a:extLst>
+            <a:ext uri="{909E8E84-426E-40DD-AFC4-6F175D3DCCD1}">
+              <a14:hiddenFill xmlns:a14="http://schemas.microsoft.com/office/drawing/2010/main">
+                <a:solidFill>
+                  <a:srgbClr val="FFFFFF"/>
+                </a:solidFill>
+              </a14:hiddenFill>
+            </a:ext>
+          </a:extLst>
+        </p:spPr>
+      </p:pic>
+      <p:pic>
+        <p:nvPicPr>
+          <p:cNvPr id="5" name="Resim 4">
+            <a:extLst>
+              <a:ext uri="{FF2B5EF4-FFF2-40B4-BE49-F238E27FC236}">
+                <a16:creationId xmlns:a16="http://schemas.microsoft.com/office/drawing/2014/main" id="{283D2F34-E175-2005-3333-1BF246C8FCD7}"/>
+              </a:ext>
+            </a:extLst>
+          </p:cNvPr>
+          <p:cNvPicPr>
+            <a:picLocks noChangeAspect="1"/>
+          </p:cNvPicPr>
+          <p:nvPr/>
+        </p:nvPicPr>
+        <p:blipFill rotWithShape="1">
+          <a:blip r:embed="rId4">
+            <a:extLst>
+              <a:ext uri="{28A0092B-C50C-407E-A947-70E740481C1C}">
+                <a14:useLocalDpi xmlns:a14="http://schemas.microsoft.com/office/drawing/2010/main" val="0"/>
+              </a:ext>
+            </a:extLst>
+          </a:blip>
+          <a:srcRect t="29788" b="25389"/>
+          <a:stretch/>
+        </p:blipFill>
+        <p:spPr>
+          <a:xfrm>
+            <a:off x="9584247" y="-41958"/>
+            <a:ext cx="2607753" cy="826438"/>
+          </a:xfrm>
+          <a:prstGeom prst="rect">
+            <a:avLst/>
+          </a:prstGeom>
+        </p:spPr>
+      </p:pic>
     </p:spTree>
     <p:extLst>
       <p:ext uri="{BB962C8B-B14F-4D97-AF65-F5344CB8AC3E}">
@@ -5399,6 +5727,88 @@
           </a:p>
         </p:txBody>
       </p:sp>
+      <p:pic>
+        <p:nvPicPr>
+          <p:cNvPr id="5" name="Picture 2" descr="EJP RD – European Joint Programme on Rare Diseases">
+            <a:extLst>
+              <a:ext uri="{FF2B5EF4-FFF2-40B4-BE49-F238E27FC236}">
+                <a16:creationId xmlns:a16="http://schemas.microsoft.com/office/drawing/2014/main" id="{75449F17-EC48-265C-1523-0236D317AC3D}"/>
+              </a:ext>
+            </a:extLst>
+          </p:cNvPr>
+          <p:cNvPicPr>
+            <a:picLocks noChangeAspect="1" noChangeArrowheads="1"/>
+          </p:cNvPicPr>
+          <p:nvPr/>
+        </p:nvPicPr>
+        <p:blipFill>
+          <a:blip r:embed="rId5">
+            <a:extLst>
+              <a:ext uri="{28A0092B-C50C-407E-A947-70E740481C1C}">
+                <a14:useLocalDpi xmlns:a14="http://schemas.microsoft.com/office/drawing/2010/main" val="0"/>
+              </a:ext>
+            </a:extLst>
+          </a:blip>
+          <a:srcRect/>
+          <a:stretch>
+            <a:fillRect/>
+          </a:stretch>
+        </p:blipFill>
+        <p:spPr bwMode="auto">
+          <a:xfrm>
+            <a:off x="76200" y="-5104"/>
+            <a:ext cx="2752725" cy="607177"/>
+          </a:xfrm>
+          <a:prstGeom prst="rect">
+            <a:avLst/>
+          </a:prstGeom>
+          <a:noFill/>
+          <a:extLst>
+            <a:ext uri="{909E8E84-426E-40DD-AFC4-6F175D3DCCD1}">
+              <a14:hiddenFill xmlns:a14="http://schemas.microsoft.com/office/drawing/2010/main">
+                <a:solidFill>
+                  <a:srgbClr val="FFFFFF"/>
+                </a:solidFill>
+              </a14:hiddenFill>
+            </a:ext>
+          </a:extLst>
+        </p:spPr>
+      </p:pic>
+      <p:pic>
+        <p:nvPicPr>
+          <p:cNvPr id="6" name="Resim 5">
+            <a:extLst>
+              <a:ext uri="{FF2B5EF4-FFF2-40B4-BE49-F238E27FC236}">
+                <a16:creationId xmlns:a16="http://schemas.microsoft.com/office/drawing/2014/main" id="{3D3F9FD9-BAB7-B4D4-5402-A15616D541A5}"/>
+              </a:ext>
+            </a:extLst>
+          </p:cNvPr>
+          <p:cNvPicPr>
+            <a:picLocks noChangeAspect="1"/>
+          </p:cNvPicPr>
+          <p:nvPr/>
+        </p:nvPicPr>
+        <p:blipFill rotWithShape="1">
+          <a:blip r:embed="rId6">
+            <a:extLst>
+              <a:ext uri="{28A0092B-C50C-407E-A947-70E740481C1C}">
+                <a14:useLocalDpi xmlns:a14="http://schemas.microsoft.com/office/drawing/2010/main" val="0"/>
+              </a:ext>
+            </a:extLst>
+          </a:blip>
+          <a:srcRect t="29788" b="25389"/>
+          <a:stretch/>
+        </p:blipFill>
+        <p:spPr>
+          <a:xfrm>
+            <a:off x="9584247" y="-41958"/>
+            <a:ext cx="2607753" cy="826438"/>
+          </a:xfrm>
+          <a:prstGeom prst="rect">
+            <a:avLst/>
+          </a:prstGeom>
+        </p:spPr>
+      </p:pic>
     </p:spTree>
     <p:extLst>
       <p:ext uri="{BB962C8B-B14F-4D97-AF65-F5344CB8AC3E}">
@@ -5571,6 +5981,88 @@
           <a:xfrm>
             <a:off x="6603189" y="2709687"/>
             <a:ext cx="5279006" cy="3341970"/>
+          </a:xfrm>
+          <a:prstGeom prst="rect">
+            <a:avLst/>
+          </a:prstGeom>
+        </p:spPr>
+      </p:pic>
+      <p:pic>
+        <p:nvPicPr>
+          <p:cNvPr id="4" name="Picture 2" descr="EJP RD – European Joint Programme on Rare Diseases">
+            <a:extLst>
+              <a:ext uri="{FF2B5EF4-FFF2-40B4-BE49-F238E27FC236}">
+                <a16:creationId xmlns:a16="http://schemas.microsoft.com/office/drawing/2014/main" id="{1DC0125A-A04C-93A7-CA83-DA381BA4CEAF}"/>
+              </a:ext>
+            </a:extLst>
+          </p:cNvPr>
+          <p:cNvPicPr>
+            <a:picLocks noChangeAspect="1" noChangeArrowheads="1"/>
+          </p:cNvPicPr>
+          <p:nvPr/>
+        </p:nvPicPr>
+        <p:blipFill>
+          <a:blip r:embed="rId5">
+            <a:extLst>
+              <a:ext uri="{28A0092B-C50C-407E-A947-70E740481C1C}">
+                <a14:useLocalDpi xmlns:a14="http://schemas.microsoft.com/office/drawing/2010/main" val="0"/>
+              </a:ext>
+            </a:extLst>
+          </a:blip>
+          <a:srcRect/>
+          <a:stretch>
+            <a:fillRect/>
+          </a:stretch>
+        </p:blipFill>
+        <p:spPr bwMode="auto">
+          <a:xfrm>
+            <a:off x="76200" y="-5104"/>
+            <a:ext cx="2752725" cy="607177"/>
+          </a:xfrm>
+          <a:prstGeom prst="rect">
+            <a:avLst/>
+          </a:prstGeom>
+          <a:noFill/>
+          <a:extLst>
+            <a:ext uri="{909E8E84-426E-40DD-AFC4-6F175D3DCCD1}">
+              <a14:hiddenFill xmlns:a14="http://schemas.microsoft.com/office/drawing/2010/main">
+                <a:solidFill>
+                  <a:srgbClr val="FFFFFF"/>
+                </a:solidFill>
+              </a14:hiddenFill>
+            </a:ext>
+          </a:extLst>
+        </p:spPr>
+      </p:pic>
+      <p:pic>
+        <p:nvPicPr>
+          <p:cNvPr id="6" name="Resim 5">
+            <a:extLst>
+              <a:ext uri="{FF2B5EF4-FFF2-40B4-BE49-F238E27FC236}">
+                <a16:creationId xmlns:a16="http://schemas.microsoft.com/office/drawing/2014/main" id="{481F31B5-4082-6442-2BE0-700ADB29E457}"/>
+              </a:ext>
+            </a:extLst>
+          </p:cNvPr>
+          <p:cNvPicPr>
+            <a:picLocks noChangeAspect="1"/>
+          </p:cNvPicPr>
+          <p:nvPr/>
+        </p:nvPicPr>
+        <p:blipFill rotWithShape="1">
+          <a:blip r:embed="rId6">
+            <a:extLst>
+              <a:ext uri="{28A0092B-C50C-407E-A947-70E740481C1C}">
+                <a14:useLocalDpi xmlns:a14="http://schemas.microsoft.com/office/drawing/2010/main" val="0"/>
+              </a:ext>
+            </a:extLst>
+          </a:blip>
+          <a:srcRect t="29788" b="25389"/>
+          <a:stretch/>
+        </p:blipFill>
+        <p:spPr>
+          <a:xfrm>
+            <a:off x="9584247" y="-41958"/>
+            <a:ext cx="2607753" cy="826438"/>
           </a:xfrm>
           <a:prstGeom prst="rect">
             <a:avLst/>
@@ -6133,6 +6625,88 @@
           </a:p>
         </p:txBody>
       </p:sp>
+      <p:pic>
+        <p:nvPicPr>
+          <p:cNvPr id="5" name="Picture 2" descr="EJP RD – European Joint Programme on Rare Diseases">
+            <a:extLst>
+              <a:ext uri="{FF2B5EF4-FFF2-40B4-BE49-F238E27FC236}">
+                <a16:creationId xmlns:a16="http://schemas.microsoft.com/office/drawing/2014/main" id="{01B0BDDF-46D2-6562-F3BD-89F208E3E915}"/>
+              </a:ext>
+            </a:extLst>
+          </p:cNvPr>
+          <p:cNvPicPr>
+            <a:picLocks noChangeAspect="1" noChangeArrowheads="1"/>
+          </p:cNvPicPr>
+          <p:nvPr/>
+        </p:nvPicPr>
+        <p:blipFill>
+          <a:blip r:embed="rId5">
+            <a:extLst>
+              <a:ext uri="{28A0092B-C50C-407E-A947-70E740481C1C}">
+                <a14:useLocalDpi xmlns:a14="http://schemas.microsoft.com/office/drawing/2010/main" val="0"/>
+              </a:ext>
+            </a:extLst>
+          </a:blip>
+          <a:srcRect/>
+          <a:stretch>
+            <a:fillRect/>
+          </a:stretch>
+        </p:blipFill>
+        <p:spPr bwMode="auto">
+          <a:xfrm>
+            <a:off x="76200" y="-5104"/>
+            <a:ext cx="2752725" cy="607177"/>
+          </a:xfrm>
+          <a:prstGeom prst="rect">
+            <a:avLst/>
+          </a:prstGeom>
+          <a:noFill/>
+          <a:extLst>
+            <a:ext uri="{909E8E84-426E-40DD-AFC4-6F175D3DCCD1}">
+              <a14:hiddenFill xmlns:a14="http://schemas.microsoft.com/office/drawing/2010/main">
+                <a:solidFill>
+                  <a:srgbClr val="FFFFFF"/>
+                </a:solidFill>
+              </a14:hiddenFill>
+            </a:ext>
+          </a:extLst>
+        </p:spPr>
+      </p:pic>
+      <p:pic>
+        <p:nvPicPr>
+          <p:cNvPr id="6" name="Resim 5">
+            <a:extLst>
+              <a:ext uri="{FF2B5EF4-FFF2-40B4-BE49-F238E27FC236}">
+                <a16:creationId xmlns:a16="http://schemas.microsoft.com/office/drawing/2014/main" id="{9C444B61-029B-866E-5BCA-884CD7A7D216}"/>
+              </a:ext>
+            </a:extLst>
+          </p:cNvPr>
+          <p:cNvPicPr>
+            <a:picLocks noChangeAspect="1"/>
+          </p:cNvPicPr>
+          <p:nvPr/>
+        </p:nvPicPr>
+        <p:blipFill rotWithShape="1">
+          <a:blip r:embed="rId6">
+            <a:extLst>
+              <a:ext uri="{28A0092B-C50C-407E-A947-70E740481C1C}">
+                <a14:useLocalDpi xmlns:a14="http://schemas.microsoft.com/office/drawing/2010/main" val="0"/>
+              </a:ext>
+            </a:extLst>
+          </a:blip>
+          <a:srcRect t="29788" b="25389"/>
+          <a:stretch/>
+        </p:blipFill>
+        <p:spPr>
+          <a:xfrm>
+            <a:off x="9584247" y="-41958"/>
+            <a:ext cx="2607753" cy="826438"/>
+          </a:xfrm>
+          <a:prstGeom prst="rect">
+            <a:avLst/>
+          </a:prstGeom>
+        </p:spPr>
+      </p:pic>
     </p:spTree>
     <p:extLst>
       <p:ext uri="{BB962C8B-B14F-4D97-AF65-F5344CB8AC3E}">
@@ -6552,6 +7126,88 @@
           </a:p>
         </p:txBody>
       </p:sp>
+      <p:pic>
+        <p:nvPicPr>
+          <p:cNvPr id="4" name="Picture 2" descr="EJP RD – European Joint Programme on Rare Diseases">
+            <a:extLst>
+              <a:ext uri="{FF2B5EF4-FFF2-40B4-BE49-F238E27FC236}">
+                <a16:creationId xmlns:a16="http://schemas.microsoft.com/office/drawing/2014/main" id="{D6B40E7E-4919-B073-B83E-C47FC181E0B0}"/>
+              </a:ext>
+            </a:extLst>
+          </p:cNvPr>
+          <p:cNvPicPr>
+            <a:picLocks noChangeAspect="1" noChangeArrowheads="1"/>
+          </p:cNvPicPr>
+          <p:nvPr/>
+        </p:nvPicPr>
+        <p:blipFill>
+          <a:blip r:embed="rId2">
+            <a:extLst>
+              <a:ext uri="{28A0092B-C50C-407E-A947-70E740481C1C}">
+                <a14:useLocalDpi xmlns:a14="http://schemas.microsoft.com/office/drawing/2010/main" val="0"/>
+              </a:ext>
+            </a:extLst>
+          </a:blip>
+          <a:srcRect/>
+          <a:stretch>
+            <a:fillRect/>
+          </a:stretch>
+        </p:blipFill>
+        <p:spPr bwMode="auto">
+          <a:xfrm>
+            <a:off x="76200" y="-5104"/>
+            <a:ext cx="2752725" cy="607177"/>
+          </a:xfrm>
+          <a:prstGeom prst="rect">
+            <a:avLst/>
+          </a:prstGeom>
+          <a:noFill/>
+          <a:extLst>
+            <a:ext uri="{909E8E84-426E-40DD-AFC4-6F175D3DCCD1}">
+              <a14:hiddenFill xmlns:a14="http://schemas.microsoft.com/office/drawing/2010/main">
+                <a:solidFill>
+                  <a:srgbClr val="FFFFFF"/>
+                </a:solidFill>
+              </a14:hiddenFill>
+            </a:ext>
+          </a:extLst>
+        </p:spPr>
+      </p:pic>
+      <p:pic>
+        <p:nvPicPr>
+          <p:cNvPr id="5" name="Resim 4">
+            <a:extLst>
+              <a:ext uri="{FF2B5EF4-FFF2-40B4-BE49-F238E27FC236}">
+                <a16:creationId xmlns:a16="http://schemas.microsoft.com/office/drawing/2014/main" id="{348476AF-7D99-6F23-2162-18AF42E1F429}"/>
+              </a:ext>
+            </a:extLst>
+          </p:cNvPr>
+          <p:cNvPicPr>
+            <a:picLocks noChangeAspect="1"/>
+          </p:cNvPicPr>
+          <p:nvPr/>
+        </p:nvPicPr>
+        <p:blipFill rotWithShape="1">
+          <a:blip r:embed="rId3">
+            <a:extLst>
+              <a:ext uri="{28A0092B-C50C-407E-A947-70E740481C1C}">
+                <a14:useLocalDpi xmlns:a14="http://schemas.microsoft.com/office/drawing/2010/main" val="0"/>
+              </a:ext>
+            </a:extLst>
+          </a:blip>
+          <a:srcRect t="29788" b="25389"/>
+          <a:stretch/>
+        </p:blipFill>
+        <p:spPr>
+          <a:xfrm>
+            <a:off x="9584247" y="-41958"/>
+            <a:ext cx="2607753" cy="826438"/>
+          </a:xfrm>
+          <a:prstGeom prst="rect">
+            <a:avLst/>
+          </a:prstGeom>
+        </p:spPr>
+      </p:pic>
     </p:spTree>
     <p:extLst>
       <p:ext uri="{BB962C8B-B14F-4D97-AF65-F5344CB8AC3E}">

--- a/Presentations/2.Annotation.pptx
+++ b/Presentations/2.Annotation.pptx
@@ -266,7 +266,7 @@
           <a:p>
             <a:fld id="{25A82A09-6979-4E64-8303-8162828D3F74}" type="datetimeFigureOut">
               <a:rPr lang="tr-TR" smtClean="0"/>
-              <a:t>11.09.2023</a:t>
+              <a:t>17.09.2023</a:t>
             </a:fld>
             <a:endParaRPr lang="tr-TR"/>
           </a:p>
@@ -464,7 +464,7 @@
           <a:p>
             <a:fld id="{25A82A09-6979-4E64-8303-8162828D3F74}" type="datetimeFigureOut">
               <a:rPr lang="tr-TR" smtClean="0"/>
-              <a:t>11.09.2023</a:t>
+              <a:t>17.09.2023</a:t>
             </a:fld>
             <a:endParaRPr lang="tr-TR"/>
           </a:p>
@@ -672,7 +672,7 @@
           <a:p>
             <a:fld id="{25A82A09-6979-4E64-8303-8162828D3F74}" type="datetimeFigureOut">
               <a:rPr lang="tr-TR" smtClean="0"/>
-              <a:t>11.09.2023</a:t>
+              <a:t>17.09.2023</a:t>
             </a:fld>
             <a:endParaRPr lang="tr-TR"/>
           </a:p>
@@ -870,7 +870,7 @@
           <a:p>
             <a:fld id="{25A82A09-6979-4E64-8303-8162828D3F74}" type="datetimeFigureOut">
               <a:rPr lang="tr-TR" smtClean="0"/>
-              <a:t>11.09.2023</a:t>
+              <a:t>17.09.2023</a:t>
             </a:fld>
             <a:endParaRPr lang="tr-TR"/>
           </a:p>
@@ -1145,7 +1145,7 @@
           <a:p>
             <a:fld id="{25A82A09-6979-4E64-8303-8162828D3F74}" type="datetimeFigureOut">
               <a:rPr lang="tr-TR" smtClean="0"/>
-              <a:t>11.09.2023</a:t>
+              <a:t>17.09.2023</a:t>
             </a:fld>
             <a:endParaRPr lang="tr-TR"/>
           </a:p>
@@ -1410,7 +1410,7 @@
           <a:p>
             <a:fld id="{25A82A09-6979-4E64-8303-8162828D3F74}" type="datetimeFigureOut">
               <a:rPr lang="tr-TR" smtClean="0"/>
-              <a:t>11.09.2023</a:t>
+              <a:t>17.09.2023</a:t>
             </a:fld>
             <a:endParaRPr lang="tr-TR"/>
           </a:p>
@@ -1822,7 +1822,7 @@
           <a:p>
             <a:fld id="{25A82A09-6979-4E64-8303-8162828D3F74}" type="datetimeFigureOut">
               <a:rPr lang="tr-TR" smtClean="0"/>
-              <a:t>11.09.2023</a:t>
+              <a:t>17.09.2023</a:t>
             </a:fld>
             <a:endParaRPr lang="tr-TR"/>
           </a:p>
@@ -1963,7 +1963,7 @@
           <a:p>
             <a:fld id="{25A82A09-6979-4E64-8303-8162828D3F74}" type="datetimeFigureOut">
               <a:rPr lang="tr-TR" smtClean="0"/>
-              <a:t>11.09.2023</a:t>
+              <a:t>17.09.2023</a:t>
             </a:fld>
             <a:endParaRPr lang="tr-TR"/>
           </a:p>
@@ -2076,7 +2076,7 @@
           <a:p>
             <a:fld id="{25A82A09-6979-4E64-8303-8162828D3F74}" type="datetimeFigureOut">
               <a:rPr lang="tr-TR" smtClean="0"/>
-              <a:t>11.09.2023</a:t>
+              <a:t>17.09.2023</a:t>
             </a:fld>
             <a:endParaRPr lang="tr-TR"/>
           </a:p>
@@ -2387,7 +2387,7 @@
           <a:p>
             <a:fld id="{25A82A09-6979-4E64-8303-8162828D3F74}" type="datetimeFigureOut">
               <a:rPr lang="tr-TR" smtClean="0"/>
-              <a:t>11.09.2023</a:t>
+              <a:t>17.09.2023</a:t>
             </a:fld>
             <a:endParaRPr lang="tr-TR"/>
           </a:p>
@@ -2675,7 +2675,7 @@
           <a:p>
             <a:fld id="{25A82A09-6979-4E64-8303-8162828D3F74}" type="datetimeFigureOut">
               <a:rPr lang="tr-TR" smtClean="0"/>
-              <a:t>11.09.2023</a:t>
+              <a:t>17.09.2023</a:t>
             </a:fld>
             <a:endParaRPr lang="tr-TR"/>
           </a:p>
@@ -2916,7 +2916,7 @@
           <a:p>
             <a:fld id="{25A82A09-6979-4E64-8303-8162828D3F74}" type="datetimeFigureOut">
               <a:rPr lang="tr-TR" smtClean="0"/>
-              <a:t>11.09.2023</a:t>
+              <a:t>17.09.2023</a:t>
             </a:fld>
             <a:endParaRPr lang="tr-TR"/>
           </a:p>
@@ -3360,6 +3360,14 @@
               <a:rPr lang="en-US" b="1" dirty="0"/>
               <a:t>Whole Exome Sequencing</a:t>
             </a:r>
+            <a:br>
+              <a:rPr lang="tr-TR" b="1" dirty="0"/>
+            </a:br>
+            <a:r>
+              <a:rPr lang="tr-TR" b="1" dirty="0" err="1"/>
+              <a:t>Annotation</a:t>
+            </a:r>
+            <a:endParaRPr lang="en-US" b="1" dirty="0"/>
           </a:p>
         </p:txBody>
       </p:sp>
@@ -5387,7 +5395,7 @@
             </a:r>
             <a:r>
               <a:rPr lang="tr-TR" sz="2400" dirty="0"/>
-              <a:t> (gt_types.1094PC0013 == HET)«</a:t>
+              <a:t> (gt_types.1094PC0013 == HET)"</a:t>
             </a:r>
           </a:p>
           <a:p>
@@ -5435,7 +5443,7 @@
             </a:r>
             <a:r>
               <a:rPr lang="tr-TR" sz="2400" dirty="0"/>
-              <a:t> \ gt_depths.sample3 &gt;= 20»</a:t>
+              <a:t> \ gt_depths.sample3 &gt;= 20"</a:t>
             </a:r>
           </a:p>
         </p:txBody>

--- a/Presentations/2.Annotation.pptx
+++ b/Presentations/2.Annotation.pptx
@@ -266,7 +266,7 @@
           <a:p>
             <a:fld id="{25A82A09-6979-4E64-8303-8162828D3F74}" type="datetimeFigureOut">
               <a:rPr lang="tr-TR" smtClean="0"/>
-              <a:t>17.09.2023</a:t>
+              <a:t>19.09.2023</a:t>
             </a:fld>
             <a:endParaRPr lang="tr-TR"/>
           </a:p>
@@ -464,7 +464,7 @@
           <a:p>
             <a:fld id="{25A82A09-6979-4E64-8303-8162828D3F74}" type="datetimeFigureOut">
               <a:rPr lang="tr-TR" smtClean="0"/>
-              <a:t>17.09.2023</a:t>
+              <a:t>19.09.2023</a:t>
             </a:fld>
             <a:endParaRPr lang="tr-TR"/>
           </a:p>
@@ -672,7 +672,7 @@
           <a:p>
             <a:fld id="{25A82A09-6979-4E64-8303-8162828D3F74}" type="datetimeFigureOut">
               <a:rPr lang="tr-TR" smtClean="0"/>
-              <a:t>17.09.2023</a:t>
+              <a:t>19.09.2023</a:t>
             </a:fld>
             <a:endParaRPr lang="tr-TR"/>
           </a:p>
@@ -870,7 +870,7 @@
           <a:p>
             <a:fld id="{25A82A09-6979-4E64-8303-8162828D3F74}" type="datetimeFigureOut">
               <a:rPr lang="tr-TR" smtClean="0"/>
-              <a:t>17.09.2023</a:t>
+              <a:t>19.09.2023</a:t>
             </a:fld>
             <a:endParaRPr lang="tr-TR"/>
           </a:p>
@@ -1145,7 +1145,7 @@
           <a:p>
             <a:fld id="{25A82A09-6979-4E64-8303-8162828D3F74}" type="datetimeFigureOut">
               <a:rPr lang="tr-TR" smtClean="0"/>
-              <a:t>17.09.2023</a:t>
+              <a:t>19.09.2023</a:t>
             </a:fld>
             <a:endParaRPr lang="tr-TR"/>
           </a:p>
@@ -1410,7 +1410,7 @@
           <a:p>
             <a:fld id="{25A82A09-6979-4E64-8303-8162828D3F74}" type="datetimeFigureOut">
               <a:rPr lang="tr-TR" smtClean="0"/>
-              <a:t>17.09.2023</a:t>
+              <a:t>19.09.2023</a:t>
             </a:fld>
             <a:endParaRPr lang="tr-TR"/>
           </a:p>
@@ -1822,7 +1822,7 @@
           <a:p>
             <a:fld id="{25A82A09-6979-4E64-8303-8162828D3F74}" type="datetimeFigureOut">
               <a:rPr lang="tr-TR" smtClean="0"/>
-              <a:t>17.09.2023</a:t>
+              <a:t>19.09.2023</a:t>
             </a:fld>
             <a:endParaRPr lang="tr-TR"/>
           </a:p>
@@ -1963,7 +1963,7 @@
           <a:p>
             <a:fld id="{25A82A09-6979-4E64-8303-8162828D3F74}" type="datetimeFigureOut">
               <a:rPr lang="tr-TR" smtClean="0"/>
-              <a:t>17.09.2023</a:t>
+              <a:t>19.09.2023</a:t>
             </a:fld>
             <a:endParaRPr lang="tr-TR"/>
           </a:p>
@@ -2076,7 +2076,7 @@
           <a:p>
             <a:fld id="{25A82A09-6979-4E64-8303-8162828D3F74}" type="datetimeFigureOut">
               <a:rPr lang="tr-TR" smtClean="0"/>
-              <a:t>17.09.2023</a:t>
+              <a:t>19.09.2023</a:t>
             </a:fld>
             <a:endParaRPr lang="tr-TR"/>
           </a:p>
@@ -2387,7 +2387,7 @@
           <a:p>
             <a:fld id="{25A82A09-6979-4E64-8303-8162828D3F74}" type="datetimeFigureOut">
               <a:rPr lang="tr-TR" smtClean="0"/>
-              <a:t>17.09.2023</a:t>
+              <a:t>19.09.2023</a:t>
             </a:fld>
             <a:endParaRPr lang="tr-TR"/>
           </a:p>
@@ -2675,7 +2675,7 @@
           <a:p>
             <a:fld id="{25A82A09-6979-4E64-8303-8162828D3F74}" type="datetimeFigureOut">
               <a:rPr lang="tr-TR" smtClean="0"/>
-              <a:t>17.09.2023</a:t>
+              <a:t>19.09.2023</a:t>
             </a:fld>
             <a:endParaRPr lang="tr-TR"/>
           </a:p>
@@ -2916,7 +2916,7 @@
           <a:p>
             <a:fld id="{25A82A09-6979-4E64-8303-8162828D3F74}" type="datetimeFigureOut">
               <a:rPr lang="tr-TR" smtClean="0"/>
-              <a:t>17.09.2023</a:t>
+              <a:t>19.09.2023</a:t>
             </a:fld>
             <a:endParaRPr lang="tr-TR"/>
           </a:p>
@@ -4922,7 +4922,23 @@
             <a:pPr lvl="1"/>
             <a:r>
               <a:rPr lang="en-US" dirty="0"/>
-              <a:t>Sex (1=male; 2=female; other=unknown)</a:t>
+              <a:t>Sex (1=mal</a:t>
+            </a:r>
+            <a:r>
+              <a:rPr lang="tr-TR" dirty="0"/>
+              <a:t>e,</a:t>
+            </a:r>
+            <a:r>
+              <a:rPr lang="en-US" dirty="0"/>
+              <a:t> 2=female</a:t>
+            </a:r>
+            <a:r>
+              <a:rPr lang="tr-TR" dirty="0"/>
+              <a:t>,</a:t>
+            </a:r>
+            <a:r>
+              <a:rPr lang="en-US" dirty="0"/>
+              <a:t> other=unknown)</a:t>
             </a:r>
           </a:p>
           <a:p>
@@ -4931,7 +4947,50 @@
               <a:rPr lang="en-US" dirty="0"/>
               <a:t>Phenotype</a:t>
             </a:r>
-            <a:endParaRPr lang="tr-TR" dirty="0"/>
+            <a:r>
+              <a:rPr lang="tr-TR" dirty="0"/>
+              <a:t> (</a:t>
+            </a:r>
+            <a:r>
+              <a:rPr lang="en-US" dirty="0"/>
+              <a:t>-9</a:t>
+            </a:r>
+            <a:r>
+              <a:rPr lang="tr-TR" dirty="0"/>
+              <a:t>=</a:t>
+            </a:r>
+            <a:r>
+              <a:rPr lang="en-US" dirty="0"/>
+              <a:t>missing, 0</a:t>
+            </a:r>
+            <a:r>
+              <a:rPr lang="tr-TR" dirty="0"/>
+              <a:t>=</a:t>
+            </a:r>
+            <a:r>
+              <a:rPr lang="en-US" dirty="0"/>
+              <a:t>missing, 1</a:t>
+            </a:r>
+            <a:r>
+              <a:rPr lang="tr-TR" dirty="0"/>
+              <a:t>=</a:t>
+            </a:r>
+            <a:r>
+              <a:rPr lang="en-US" dirty="0"/>
+              <a:t>unaffected, 2</a:t>
+            </a:r>
+            <a:r>
+              <a:rPr lang="tr-TR" dirty="0"/>
+              <a:t>=</a:t>
+            </a:r>
+            <a:r>
+              <a:rPr lang="en-US" dirty="0"/>
+              <a:t>affected</a:t>
+            </a:r>
+            <a:r>
+              <a:rPr lang="tr-TR" dirty="0"/>
+              <a:t>)</a:t>
+            </a:r>
           </a:p>
         </p:txBody>
       </p:sp>
